--- a/15.11.2018 16-30.pptx
+++ b/15.11.2018 16-30.pptx
@@ -110,6 +110,11 @@
       </a:defRPr>
     </a:lvl9pPr>
   </p:defaultTextStyle>
+  <p:extLst>
+    <p:ext uri="{EFAFB233-063F-42B5-8137-9DF3F51BA10A}">
+      <p15:sldGuideLst xmlns:p15="http://schemas.microsoft.com/office/powerpoint/2012/main"/>
+    </p:ext>
+  </p:extLst>
 </p:presentation>
 </file>
 
@@ -260,7 +265,7 @@
           <a:p>
             <a:fld id="{CA5647E5-8851-4397-9585-9199C0B1B1B3}" type="datetimeFigureOut">
               <a:rPr lang="ru-RU" smtClean="0"/>
-              <a:t>13.11.2018</a:t>
+              <a:t>15.11.2018</a:t>
             </a:fld>
             <a:endParaRPr lang="ru-RU"/>
           </a:p>
@@ -458,7 +463,7 @@
           <a:p>
             <a:fld id="{CA5647E5-8851-4397-9585-9199C0B1B1B3}" type="datetimeFigureOut">
               <a:rPr lang="ru-RU" smtClean="0"/>
-              <a:t>13.11.2018</a:t>
+              <a:t>15.11.2018</a:t>
             </a:fld>
             <a:endParaRPr lang="ru-RU"/>
           </a:p>
@@ -666,7 +671,7 @@
           <a:p>
             <a:fld id="{CA5647E5-8851-4397-9585-9199C0B1B1B3}" type="datetimeFigureOut">
               <a:rPr lang="ru-RU" smtClean="0"/>
-              <a:t>13.11.2018</a:t>
+              <a:t>15.11.2018</a:t>
             </a:fld>
             <a:endParaRPr lang="ru-RU"/>
           </a:p>
@@ -864,7 +869,7 @@
           <a:p>
             <a:fld id="{CA5647E5-8851-4397-9585-9199C0B1B1B3}" type="datetimeFigureOut">
               <a:rPr lang="ru-RU" smtClean="0"/>
-              <a:t>13.11.2018</a:t>
+              <a:t>15.11.2018</a:t>
             </a:fld>
             <a:endParaRPr lang="ru-RU"/>
           </a:p>
@@ -1139,7 +1144,7 @@
           <a:p>
             <a:fld id="{CA5647E5-8851-4397-9585-9199C0B1B1B3}" type="datetimeFigureOut">
               <a:rPr lang="ru-RU" smtClean="0"/>
-              <a:t>13.11.2018</a:t>
+              <a:t>15.11.2018</a:t>
             </a:fld>
             <a:endParaRPr lang="ru-RU"/>
           </a:p>
@@ -1404,7 +1409,7 @@
           <a:p>
             <a:fld id="{CA5647E5-8851-4397-9585-9199C0B1B1B3}" type="datetimeFigureOut">
               <a:rPr lang="ru-RU" smtClean="0"/>
-              <a:t>13.11.2018</a:t>
+              <a:t>15.11.2018</a:t>
             </a:fld>
             <a:endParaRPr lang="ru-RU"/>
           </a:p>
@@ -1816,7 +1821,7 @@
           <a:p>
             <a:fld id="{CA5647E5-8851-4397-9585-9199C0B1B1B3}" type="datetimeFigureOut">
               <a:rPr lang="ru-RU" smtClean="0"/>
-              <a:t>13.11.2018</a:t>
+              <a:t>15.11.2018</a:t>
             </a:fld>
             <a:endParaRPr lang="ru-RU"/>
           </a:p>
@@ -1957,7 +1962,7 @@
           <a:p>
             <a:fld id="{CA5647E5-8851-4397-9585-9199C0B1B1B3}" type="datetimeFigureOut">
               <a:rPr lang="ru-RU" smtClean="0"/>
-              <a:t>13.11.2018</a:t>
+              <a:t>15.11.2018</a:t>
             </a:fld>
             <a:endParaRPr lang="ru-RU"/>
           </a:p>
@@ -2070,7 +2075,7 @@
           <a:p>
             <a:fld id="{CA5647E5-8851-4397-9585-9199C0B1B1B3}" type="datetimeFigureOut">
               <a:rPr lang="ru-RU" smtClean="0"/>
-              <a:t>13.11.2018</a:t>
+              <a:t>15.11.2018</a:t>
             </a:fld>
             <a:endParaRPr lang="ru-RU"/>
           </a:p>
@@ -2381,7 +2386,7 @@
           <a:p>
             <a:fld id="{CA5647E5-8851-4397-9585-9199C0B1B1B3}" type="datetimeFigureOut">
               <a:rPr lang="ru-RU" smtClean="0"/>
-              <a:t>13.11.2018</a:t>
+              <a:t>15.11.2018</a:t>
             </a:fld>
             <a:endParaRPr lang="ru-RU"/>
           </a:p>
@@ -2669,7 +2674,7 @@
           <a:p>
             <a:fld id="{CA5647E5-8851-4397-9585-9199C0B1B1B3}" type="datetimeFigureOut">
               <a:rPr lang="ru-RU" smtClean="0"/>
-              <a:t>13.11.2018</a:t>
+              <a:t>15.11.2018</a:t>
             </a:fld>
             <a:endParaRPr lang="ru-RU"/>
           </a:p>
@@ -2910,7 +2915,7 @@
           <a:p>
             <a:fld id="{CA5647E5-8851-4397-9585-9199C0B1B1B3}" type="datetimeFigureOut">
               <a:rPr lang="ru-RU" smtClean="0"/>
-              <a:t>13.11.2018</a:t>
+              <a:t>15.11.2018</a:t>
             </a:fld>
             <a:endParaRPr lang="ru-RU"/>
           </a:p>
@@ -3852,7 +3857,7 @@
           <a:p>
             <a:pPr algn="ctr"/>
             <a:r>
-              <a:rPr lang="ru-RU" dirty="0">
+              <a:rPr lang="ru-RU" sz="5400" dirty="0">
                 <a:solidFill>
                   <a:srgbClr val="FFFFFF"/>
                 </a:solidFill>
@@ -3896,7 +3901,7 @@
               <a:buNone/>
             </a:pPr>
             <a:r>
-              <a:rPr lang="ru-RU" dirty="0">
+              <a:rPr lang="ru-RU" sz="3600" dirty="0">
                 <a:solidFill>
                   <a:srgbClr val="FFFFFF"/>
                 </a:solidFill>
@@ -4075,6 +4080,87 @@
           <a:p>
             <a:pPr algn="ctr"/>
             <a:r>
+              <a:rPr lang="ru-RU" sz="5400" dirty="0">
+                <a:solidFill>
+                  <a:srgbClr val="FFFFFF"/>
+                </a:solidFill>
+                <a:latin typeface="Verdana" panose="020B0604030504040204" pitchFamily="34" charset="0"/>
+                <a:ea typeface="Verdana" panose="020B0604030504040204" pitchFamily="34" charset="0"/>
+              </a:rPr>
+              <a:t>Актуальность</a:t>
+            </a:r>
+          </a:p>
+        </p:txBody>
+      </p:sp>
+      <p:sp>
+        <p:nvSpPr>
+          <p:cNvPr id="3" name="Объект 2">
+            <a:extLst>
+              <a:ext uri="{FF2B5EF4-FFF2-40B4-BE49-F238E27FC236}">
+                <a16:creationId xmlns:a16="http://schemas.microsoft.com/office/drawing/2014/main" id="{247AABB7-CA91-4A96-81A1-4CE2CD4301E1}"/>
+              </a:ext>
+            </a:extLst>
+          </p:cNvPr>
+          <p:cNvSpPr>
+            <a:spLocks noGrp="1"/>
+          </p:cNvSpPr>
+          <p:nvPr>
+            <p:ph idx="1"/>
+          </p:nvPr>
+        </p:nvSpPr>
+        <p:spPr>
+          <a:xfrm>
+            <a:off x="838200" y="2752077"/>
+            <a:ext cx="10515600" cy="3424885"/>
+          </a:xfrm>
+        </p:spPr>
+        <p:txBody>
+          <a:bodyPr>
+            <a:normAutofit/>
+          </a:bodyPr>
+          <a:lstStyle/>
+          <a:p>
+            <a:pPr marL="0" indent="0" algn="ctr">
+              <a:buNone/>
+            </a:pPr>
+            <a:r>
+              <a:rPr lang="ru-RU" sz="3600" dirty="0">
+                <a:solidFill>
+                  <a:srgbClr val="FFFFFF"/>
+                </a:solidFill>
+                <a:latin typeface="Verdana" panose="020B0604030504040204" pitchFamily="34" charset="0"/>
+                <a:ea typeface="Verdana" panose="020B0604030504040204" pitchFamily="34" charset="0"/>
+              </a:rPr>
+              <a:t>Существуют аналоги, но они не содержат в себе весь необходимый функционал.</a:t>
+            </a:r>
+          </a:p>
+          <a:p>
+            <a:pPr marL="0" indent="0" algn="ctr">
+              <a:buNone/>
+            </a:pPr>
+            <a:endParaRPr lang="ru-RU" sz="3600" dirty="0">
+              <a:solidFill>
+                <a:srgbClr val="FFFFFF"/>
+              </a:solidFill>
+              <a:latin typeface="Verdana" panose="020B0604030504040204" pitchFamily="34" charset="0"/>
+              <a:ea typeface="Verdana" panose="020B0604030504040204" pitchFamily="34" charset="0"/>
+            </a:endParaRPr>
+          </a:p>
+          <a:p>
+            <a:pPr marL="0" indent="0" algn="ctr">
+              <a:buNone/>
+            </a:pPr>
+            <a:r>
+              <a:rPr lang="ru-RU" sz="3600" dirty="0">
+                <a:solidFill>
+                  <a:srgbClr val="FFFFFF"/>
+                </a:solidFill>
+                <a:latin typeface="Verdana" panose="020B0604030504040204" pitchFamily="34" charset="0"/>
+                <a:ea typeface="Verdana" panose="020B0604030504040204" pitchFamily="34" charset="0"/>
+              </a:rPr>
+              <a:t>Веб-сервисы набирают популярность в последнее время и всё больше людей ими пользуются</a:t>
+            </a:r>
+            <a:r>
               <a:rPr lang="ru-RU" dirty="0">
                 <a:solidFill>
                   <a:srgbClr val="FFFFFF"/>
@@ -4082,78 +4168,7 @@
                 <a:latin typeface="Verdana" panose="020B0604030504040204" pitchFamily="34" charset="0"/>
                 <a:ea typeface="Verdana" panose="020B0604030504040204" pitchFamily="34" charset="0"/>
               </a:rPr>
-              <a:t>Актуальность</a:t>
-            </a:r>
-          </a:p>
-        </p:txBody>
-      </p:sp>
-      <p:sp>
-        <p:nvSpPr>
-          <p:cNvPr id="3" name="Объект 2">
-            <a:extLst>
-              <a:ext uri="{FF2B5EF4-FFF2-40B4-BE49-F238E27FC236}">
-                <a16:creationId xmlns:a16="http://schemas.microsoft.com/office/drawing/2014/main" id="{247AABB7-CA91-4A96-81A1-4CE2CD4301E1}"/>
-              </a:ext>
-            </a:extLst>
-          </p:cNvPr>
-          <p:cNvSpPr>
-            <a:spLocks noGrp="1"/>
-          </p:cNvSpPr>
-          <p:nvPr>
-            <p:ph idx="1"/>
-          </p:nvPr>
-        </p:nvSpPr>
-        <p:spPr>
-          <a:xfrm>
-            <a:off x="838200" y="2752077"/>
-            <a:ext cx="10515600" cy="3424885"/>
-          </a:xfrm>
-        </p:spPr>
-        <p:txBody>
-          <a:bodyPr>
-            <a:normAutofit/>
-          </a:bodyPr>
-          <a:lstStyle/>
-          <a:p>
-            <a:pPr marL="0" indent="0" algn="ctr">
-              <a:buNone/>
-            </a:pPr>
-            <a:r>
-              <a:rPr lang="ru-RU" dirty="0">
-                <a:solidFill>
-                  <a:srgbClr val="FFFFFF"/>
-                </a:solidFill>
-                <a:latin typeface="Verdana" panose="020B0604030504040204" pitchFamily="34" charset="0"/>
-                <a:ea typeface="Verdana" panose="020B0604030504040204" pitchFamily="34" charset="0"/>
-              </a:rPr>
-              <a:t>Существуют аналоги, но они не содержат в себе весь возможный функционал.</a:t>
-            </a:r>
-          </a:p>
-          <a:p>
-            <a:pPr marL="0" indent="0" algn="ctr">
-              <a:buNone/>
-            </a:pPr>
-            <a:endParaRPr lang="ru-RU" dirty="0">
-              <a:solidFill>
-                <a:srgbClr val="FFFFFF"/>
-              </a:solidFill>
-              <a:latin typeface="Verdana" panose="020B0604030504040204" pitchFamily="34" charset="0"/>
-              <a:ea typeface="Verdana" panose="020B0604030504040204" pitchFamily="34" charset="0"/>
-            </a:endParaRPr>
-          </a:p>
-          <a:p>
-            <a:pPr marL="0" indent="0" algn="ctr">
-              <a:buNone/>
-            </a:pPr>
-            <a:r>
-              <a:rPr lang="ru-RU" dirty="0">
-                <a:solidFill>
-                  <a:srgbClr val="FFFFFF"/>
-                </a:solidFill>
-                <a:latin typeface="Verdana" panose="020B0604030504040204" pitchFamily="34" charset="0"/>
-                <a:ea typeface="Verdana" panose="020B0604030504040204" pitchFamily="34" charset="0"/>
-              </a:rPr>
-              <a:t>Веб-сервисы набирают популярность в последнее время и всё больше людей ими пользуются.</a:t>
+              <a:t>.</a:t>
             </a:r>
           </a:p>
         </p:txBody>
@@ -4325,7 +4340,7 @@
           <a:p>
             <a:pPr algn="ctr"/>
             <a:r>
-              <a:rPr lang="ru-RU" dirty="0">
+              <a:rPr lang="ru-RU" sz="5400" dirty="0">
                 <a:solidFill>
                   <a:srgbClr val="FFFFFF"/>
                 </a:solidFill>
@@ -4334,6 +4349,13 @@
               </a:rPr>
               <a:t>Результаты</a:t>
             </a:r>
+            <a:endParaRPr lang="ru-RU" dirty="0">
+              <a:solidFill>
+                <a:srgbClr val="FFFFFF"/>
+              </a:solidFill>
+              <a:latin typeface="Verdana" panose="020B0604030504040204" pitchFamily="34" charset="0"/>
+              <a:ea typeface="Verdana" panose="020B0604030504040204" pitchFamily="34" charset="0"/>
+            </a:endParaRPr>
           </a:p>
         </p:txBody>
       </p:sp>
@@ -4355,13 +4377,13 @@
         </p:nvSpPr>
         <p:spPr>
           <a:xfrm>
-            <a:off x="838200" y="1825625"/>
-            <a:ext cx="10515600" cy="4351338"/>
+            <a:off x="838200" y="1562470"/>
+            <a:ext cx="10515600" cy="5086905"/>
           </a:xfrm>
         </p:spPr>
         <p:txBody>
           <a:bodyPr>
-            <a:normAutofit fontScale="92500" lnSpcReduction="20000"/>
+            <a:normAutofit fontScale="70000" lnSpcReduction="20000"/>
           </a:bodyPr>
           <a:lstStyle/>
           <a:p>
@@ -4369,52 +4391,52 @@
               <a:buNone/>
             </a:pPr>
             <a:r>
-              <a:rPr lang="ru-RU" u="sng" dirty="0"/>
+              <a:rPr lang="ru-RU" sz="4600" u="sng" dirty="0"/>
               <a:t>Проектные</a:t>
             </a:r>
-            <a:endParaRPr lang="ru-RU" dirty="0"/>
+            <a:endParaRPr lang="ru-RU" sz="4600" dirty="0"/>
           </a:p>
           <a:p>
             <a:pPr lvl="0"/>
             <a:r>
-              <a:rPr lang="ru-RU" dirty="0"/>
-              <a:t>проектирование БД</a:t>
-            </a:r>
-            <a:endParaRPr lang="ru-RU" dirty="0">
+              <a:rPr lang="ru-RU" sz="4600" dirty="0"/>
+              <a:t>спроектирована БД</a:t>
+            </a:r>
+            <a:endParaRPr lang="ru-RU" sz="4600" dirty="0">
               <a:effectLst/>
             </a:endParaRPr>
           </a:p>
           <a:p>
             <a:pPr lvl="0"/>
             <a:r>
-              <a:rPr lang="ru-RU" dirty="0"/>
+              <a:rPr lang="ru-RU" sz="4600" dirty="0"/>
               <a:t>разработка ПО</a:t>
             </a:r>
-            <a:endParaRPr lang="ru-RU" dirty="0">
+            <a:endParaRPr lang="ru-RU" sz="4600" dirty="0">
               <a:effectLst/>
             </a:endParaRPr>
           </a:p>
           <a:p>
             <a:pPr lvl="0"/>
             <a:r>
-              <a:rPr lang="ru-RU" dirty="0"/>
+              <a:rPr lang="ru-RU" sz="4600" dirty="0"/>
               <a:t>тестирование ПО</a:t>
             </a:r>
-            <a:endParaRPr lang="ru-RU" dirty="0">
+            <a:endParaRPr lang="ru-RU" sz="4600" dirty="0">
               <a:effectLst/>
             </a:endParaRPr>
           </a:p>
           <a:p>
             <a:pPr lvl="0"/>
             <a:r>
-              <a:rPr lang="ru-RU" dirty="0"/>
+              <a:rPr lang="ru-RU" sz="4600" dirty="0"/>
               <a:t>проектирование сканера штрих-кодов на </a:t>
             </a:r>
             <a:r>
-              <a:rPr lang="en-GB" dirty="0"/>
+              <a:rPr lang="en-GB" sz="4600" dirty="0"/>
               <a:t>Raspberry Pi</a:t>
             </a:r>
-            <a:endParaRPr lang="ru-RU" dirty="0">
+            <a:endParaRPr lang="ru-RU" sz="4600" dirty="0">
               <a:effectLst/>
             </a:endParaRPr>
           </a:p>
@@ -4422,45 +4444,45 @@
             <a:pPr marL="0" indent="0">
               <a:buNone/>
             </a:pPr>
-            <a:endParaRPr lang="ru-RU" dirty="0"/>
+            <a:endParaRPr lang="ru-RU" sz="4600" dirty="0"/>
           </a:p>
           <a:p>
             <a:pPr marL="0" indent="0">
               <a:buNone/>
             </a:pPr>
             <a:r>
-              <a:rPr lang="ru-RU" u="sng" dirty="0"/>
+              <a:rPr lang="ru-RU" sz="4600" u="sng" dirty="0"/>
               <a:t>Образовательные</a:t>
             </a:r>
-            <a:endParaRPr lang="ru-RU" dirty="0"/>
+            <a:endParaRPr lang="ru-RU" sz="4600" dirty="0"/>
           </a:p>
           <a:p>
             <a:pPr lvl="0"/>
             <a:r>
-              <a:rPr lang="ru-RU" dirty="0"/>
+              <a:rPr lang="ru-RU" sz="4600" dirty="0"/>
               <a:t>изучение аналогичных разработок</a:t>
             </a:r>
-            <a:endParaRPr lang="ru-RU" dirty="0">
+            <a:endParaRPr lang="ru-RU" sz="4600" dirty="0">
               <a:effectLst/>
             </a:endParaRPr>
           </a:p>
           <a:p>
             <a:pPr lvl="0"/>
             <a:r>
-              <a:rPr lang="ru-RU" dirty="0"/>
+              <a:rPr lang="ru-RU" sz="4600" dirty="0"/>
               <a:t>создание отчета</a:t>
             </a:r>
-            <a:endParaRPr lang="ru-RU" dirty="0">
+            <a:endParaRPr lang="ru-RU" sz="4600" dirty="0">
               <a:effectLst/>
             </a:endParaRPr>
           </a:p>
           <a:p>
             <a:pPr lvl="0"/>
             <a:r>
-              <a:rPr lang="ru-RU" dirty="0"/>
+              <a:rPr lang="ru-RU" sz="4600" dirty="0"/>
               <a:t>разработка презентации по итогам выполнения проекта</a:t>
             </a:r>
-            <a:endParaRPr lang="ru-RU" dirty="0">
+            <a:endParaRPr lang="ru-RU" sz="4100" dirty="0">
               <a:effectLst/>
             </a:endParaRPr>
           </a:p>
@@ -4643,7 +4665,7 @@
           <a:p>
             <a:pPr algn="ctr"/>
             <a:r>
-              <a:rPr lang="ru-RU" dirty="0">
+              <a:rPr lang="ru-RU" sz="5400" dirty="0">
                 <a:solidFill>
                   <a:srgbClr val="FFFFFF"/>
                 </a:solidFill>
@@ -4679,7 +4701,7 @@
         </p:spPr>
         <p:txBody>
           <a:bodyPr numCol="2">
-            <a:normAutofit/>
+            <a:normAutofit lnSpcReduction="10000"/>
           </a:bodyPr>
           <a:lstStyle/>
           <a:p>
@@ -4687,31 +4709,31 @@
               <a:buNone/>
             </a:pPr>
             <a:r>
-              <a:rPr lang="ru-RU" dirty="0"/>
+              <a:rPr lang="ru-RU" sz="3200" dirty="0"/>
               <a:t>Этап 1 (30%)</a:t>
             </a:r>
           </a:p>
           <a:p>
             <a:pPr lvl="1"/>
             <a:r>
-              <a:rPr lang="ru-RU" dirty="0"/>
+              <a:rPr lang="ru-RU" sz="2800" dirty="0"/>
               <a:t>Проектное предложение</a:t>
             </a:r>
-            <a:endParaRPr lang="ru-RU" dirty="0">
+            <a:endParaRPr lang="ru-RU" sz="2800" dirty="0">
               <a:effectLst/>
             </a:endParaRPr>
           </a:p>
           <a:p>
             <a:pPr lvl="1"/>
             <a:r>
-              <a:rPr lang="ru-RU" dirty="0"/>
+              <a:rPr lang="ru-RU" sz="2800" dirty="0"/>
               <a:t>ТЗ</a:t>
             </a:r>
           </a:p>
           <a:p>
             <a:pPr lvl="1"/>
             <a:r>
-              <a:rPr lang="ru-RU" dirty="0">
+              <a:rPr lang="ru-RU" sz="2800" dirty="0">
                 <a:solidFill>
                   <a:srgbClr val="FFFFFF"/>
                 </a:solidFill>
@@ -4724,109 +4746,109 @@
               <a:buNone/>
             </a:pPr>
             <a:r>
-              <a:rPr lang="ru-RU" dirty="0"/>
+              <a:rPr lang="ru-RU" sz="3200" dirty="0"/>
               <a:t>Этап 2 (30%)</a:t>
             </a:r>
           </a:p>
           <a:p>
             <a:pPr lvl="1"/>
             <a:r>
-              <a:rPr lang="ru-RU" dirty="0"/>
+              <a:rPr lang="ru-RU" sz="2800" dirty="0"/>
               <a:t>Альфа-тестирование</a:t>
             </a:r>
-            <a:endParaRPr lang="ru-RU" dirty="0">
+            <a:endParaRPr lang="ru-RU" sz="2800" dirty="0">
               <a:effectLst/>
             </a:endParaRPr>
           </a:p>
           <a:p>
             <a:pPr lvl="1"/>
             <a:r>
-              <a:rPr lang="ru-RU" dirty="0"/>
+              <a:rPr lang="ru-RU" sz="2800" dirty="0"/>
               <a:t>Рабочая версия</a:t>
             </a:r>
-            <a:endParaRPr lang="ru-RU" dirty="0">
+            <a:endParaRPr lang="ru-RU" sz="2800" dirty="0">
               <a:effectLst/>
             </a:endParaRPr>
           </a:p>
           <a:p>
             <a:pPr lvl="1"/>
             <a:r>
-              <a:rPr lang="ru-RU" dirty="0"/>
+              <a:rPr lang="ru-RU" sz="2800" dirty="0"/>
               <a:t>Интеграция</a:t>
             </a:r>
-            <a:endParaRPr lang="ru-RU" dirty="0">
+            <a:endParaRPr lang="ru-RU" sz="2800" dirty="0">
               <a:effectLst/>
             </a:endParaRPr>
           </a:p>
           <a:p>
             <a:pPr lvl="1"/>
             <a:r>
-              <a:rPr lang="ru-RU" dirty="0"/>
+              <a:rPr lang="ru-RU" sz="2800" dirty="0"/>
               <a:t>Документация</a:t>
             </a:r>
-            <a:endParaRPr lang="ru-RU" dirty="0">
+            <a:endParaRPr lang="ru-RU" sz="2800" dirty="0">
               <a:effectLst/>
             </a:endParaRPr>
           </a:p>
           <a:p>
             <a:pPr lvl="1"/>
             <a:r>
-              <a:rPr lang="en-US" dirty="0"/>
+              <a:rPr lang="en-US" sz="2800" dirty="0"/>
               <a:t>API</a:t>
             </a:r>
-            <a:endParaRPr lang="ru-RU" dirty="0"/>
+            <a:endParaRPr lang="ru-RU" sz="2800" dirty="0"/>
           </a:p>
           <a:p>
             <a:pPr marL="0" indent="0">
               <a:buNone/>
             </a:pPr>
             <a:r>
-              <a:rPr lang="ru-RU" dirty="0"/>
+              <a:rPr lang="ru-RU" sz="3200" dirty="0"/>
               <a:t>Этап 3 (40%)</a:t>
             </a:r>
           </a:p>
           <a:p>
             <a:pPr lvl="1"/>
             <a:r>
-              <a:rPr lang="ru-RU" dirty="0"/>
+              <a:rPr lang="ru-RU" sz="2800" dirty="0"/>
               <a:t>Бета-тестирование</a:t>
             </a:r>
-            <a:endParaRPr lang="ru-RU" dirty="0">
+            <a:endParaRPr lang="ru-RU" sz="2800" dirty="0">
               <a:effectLst/>
             </a:endParaRPr>
           </a:p>
           <a:p>
             <a:pPr lvl="1"/>
             <a:r>
-              <a:rPr lang="en-US" dirty="0"/>
+              <a:rPr lang="en-US" sz="2800" dirty="0"/>
               <a:t>MVR (</a:t>
             </a:r>
             <a:r>
-              <a:rPr lang="ru-RU" dirty="0"/>
+              <a:rPr lang="ru-RU" sz="2800" dirty="0"/>
               <a:t>минимальный жизнеспособный продукт</a:t>
             </a:r>
             <a:r>
-              <a:rPr lang="en-US" dirty="0"/>
+              <a:rPr lang="en-US" sz="2800" dirty="0"/>
               <a:t>)</a:t>
             </a:r>
-            <a:endParaRPr lang="ru-RU" dirty="0">
+            <a:endParaRPr lang="ru-RU" sz="2800" dirty="0">
               <a:effectLst/>
             </a:endParaRPr>
           </a:p>
           <a:p>
             <a:pPr lvl="1"/>
             <a:r>
-              <a:rPr lang="ru-RU" dirty="0"/>
+              <a:rPr lang="ru-RU" sz="2800" dirty="0"/>
               <a:t>Публичное тестирование</a:t>
             </a:r>
-            <a:endParaRPr lang="ru-RU" dirty="0">
+            <a:endParaRPr lang="ru-RU" sz="2800" dirty="0">
               <a:effectLst/>
             </a:endParaRPr>
           </a:p>
           <a:p>
             <a:pPr lvl="1"/>
             <a:r>
-              <a:rPr lang="ru-RU" dirty="0"/>
+              <a:rPr lang="ru-RU" sz="2800" dirty="0"/>
               <a:t>Публичный доступ</a:t>
             </a:r>
             <a:endParaRPr lang="ru-RU" dirty="0">
@@ -5019,7 +5041,7 @@
           <a:p>
             <a:pPr algn="ctr"/>
             <a:r>
-              <a:rPr lang="ru-RU" dirty="0">
+              <a:rPr lang="ru-RU" sz="5400" dirty="0">
                 <a:solidFill>
                   <a:srgbClr val="FFFFFF"/>
                 </a:solidFill>
@@ -5028,6 +5050,13 @@
               </a:rPr>
               <a:t>Ресурсы</a:t>
             </a:r>
+            <a:endParaRPr lang="ru-RU" dirty="0">
+              <a:solidFill>
+                <a:srgbClr val="FFFFFF"/>
+              </a:solidFill>
+              <a:latin typeface="Verdana" panose="020B0604030504040204" pitchFamily="34" charset="0"/>
+              <a:ea typeface="Verdana" panose="020B0604030504040204" pitchFamily="34" charset="0"/>
+            </a:endParaRPr>
           </a:p>
         </p:txBody>
       </p:sp>
@@ -5061,64 +5090,64 @@
           <a:p>
             <a:pPr lvl="0"/>
             <a:r>
-              <a:rPr lang="ru-RU" dirty="0"/>
+              <a:rPr lang="ru-RU" sz="3600" dirty="0"/>
               <a:t>Компьютер с выходом в Интернет;</a:t>
             </a:r>
-            <a:endParaRPr lang="ru-RU" sz="2400" dirty="0"/>
+            <a:endParaRPr lang="ru-RU" sz="3200" dirty="0"/>
           </a:p>
           <a:p>
             <a:pPr lvl="0"/>
             <a:r>
-              <a:rPr lang="en-US" dirty="0"/>
+              <a:rPr lang="en-US" sz="3600" dirty="0"/>
               <a:t>Raspberry Pi 3 Model B</a:t>
             </a:r>
             <a:r>
-              <a:rPr lang="ru-RU" dirty="0"/>
+              <a:rPr lang="ru-RU" sz="3600" dirty="0"/>
               <a:t>;</a:t>
             </a:r>
-            <a:endParaRPr lang="ru-RU" dirty="0">
+            <a:endParaRPr lang="ru-RU" sz="3600" dirty="0">
               <a:effectLst/>
             </a:endParaRPr>
           </a:p>
           <a:p>
             <a:pPr lvl="0"/>
             <a:r>
-              <a:rPr lang="en-US" dirty="0"/>
+              <a:rPr lang="en-US" sz="3600" dirty="0"/>
               <a:t>4 Amp</a:t>
             </a:r>
             <a:r>
-              <a:rPr lang="ru-RU" dirty="0"/>
+              <a:rPr lang="ru-RU" sz="3600" dirty="0"/>
               <a:t> адаптер питания;</a:t>
             </a:r>
-            <a:endParaRPr lang="ru-RU" dirty="0">
+            <a:endParaRPr lang="ru-RU" sz="3600" dirty="0">
               <a:effectLst/>
             </a:endParaRPr>
           </a:p>
           <a:p>
             <a:pPr lvl="0"/>
             <a:r>
-              <a:rPr lang="en-US" dirty="0"/>
+              <a:rPr lang="en-US" sz="3600" dirty="0"/>
               <a:t>16GB Micro SD</a:t>
             </a:r>
             <a:r>
-              <a:rPr lang="ru-RU" dirty="0"/>
+              <a:rPr lang="ru-RU" sz="3600" dirty="0"/>
               <a:t>;</a:t>
             </a:r>
-            <a:endParaRPr lang="ru-RU" dirty="0">
+            <a:endParaRPr lang="ru-RU" sz="3600" dirty="0">
               <a:effectLst/>
             </a:endParaRPr>
           </a:p>
           <a:p>
             <a:pPr lvl="0"/>
             <a:r>
-              <a:rPr lang="en-US" dirty="0"/>
+              <a:rPr lang="en-US" sz="3600" dirty="0"/>
               <a:t>USB </a:t>
             </a:r>
             <a:r>
-              <a:rPr lang="ru-RU" dirty="0"/>
+              <a:rPr lang="ru-RU" sz="3600" dirty="0"/>
               <a:t>сканнер штрих-кодов;</a:t>
             </a:r>
-            <a:endParaRPr lang="ru-RU" dirty="0">
+            <a:endParaRPr lang="ru-RU" sz="3600" dirty="0">
               <a:solidFill>
                 <a:srgbClr val="FFFFFF"/>
               </a:solidFill>
@@ -5293,7 +5322,7 @@
           <a:p>
             <a:pPr algn="ctr"/>
             <a:r>
-              <a:rPr lang="ru-RU" sz="7200" dirty="0">
+              <a:rPr lang="ru-RU" sz="8000" dirty="0">
                 <a:solidFill>
                   <a:srgbClr val="FFFFFF"/>
                 </a:solidFill>

--- a/15.11.2018 16-30.pptx
+++ b/15.11.2018 16-30.pptx
@@ -1,9 +1,12 @@
 
 <file path=ppt/presentation.xml><?xml version="1.0" encoding="utf-8"?>
-<p:presentation xmlns:a="http://schemas.openxmlformats.org/drawingml/2006/main" xmlns:r="http://schemas.openxmlformats.org/officeDocument/2006/relationships" xmlns:p="http://schemas.openxmlformats.org/presentationml/2006/main" saveSubsetFonts="1">
+<p:presentation xmlns:a="http://schemas.openxmlformats.org/drawingml/2006/main" xmlns:r="http://schemas.openxmlformats.org/officeDocument/2006/relationships" xmlns:p="http://schemas.openxmlformats.org/presentationml/2006/main" showSpecialPlsOnTitleSld="0" saveSubsetFonts="1">
   <p:sldMasterIdLst>
     <p:sldMasterId id="2147483648" r:id="rId1"/>
   </p:sldMasterIdLst>
+  <p:notesMasterIdLst>
+    <p:notesMasterId r:id="rId9"/>
+  </p:notesMasterIdLst>
   <p:sldIdLst>
     <p:sldId id="256" r:id="rId2"/>
     <p:sldId id="257" r:id="rId3"/>
@@ -118,6 +121,355 @@
 </p:presentation>
 </file>
 
+<file path=ppt/notesMasters/notesMaster1.xml><?xml version="1.0" encoding="utf-8"?>
+<p:notesMaster xmlns:a="http://schemas.openxmlformats.org/drawingml/2006/main" xmlns:r="http://schemas.openxmlformats.org/officeDocument/2006/relationships" xmlns:p="http://schemas.openxmlformats.org/presentationml/2006/main">
+  <p:cSld>
+    <p:bg>
+      <p:bgRef idx="1001">
+        <a:schemeClr val="bg1"/>
+      </p:bgRef>
+    </p:bg>
+    <p:spTree>
+      <p:nvGrpSpPr>
+        <p:cNvPr id="1" name=""/>
+        <p:cNvGrpSpPr/>
+        <p:nvPr/>
+      </p:nvGrpSpPr>
+      <p:grpSpPr>
+        <a:xfrm>
+          <a:off x="0" y="0"/>
+          <a:ext cx="0" cy="0"/>
+          <a:chOff x="0" y="0"/>
+          <a:chExt cx="0" cy="0"/>
+        </a:xfrm>
+      </p:grpSpPr>
+      <p:sp>
+        <p:nvSpPr>
+          <p:cNvPr id="2" name="Верхний колонтитул 1"/>
+          <p:cNvSpPr>
+            <a:spLocks noGrp="1"/>
+          </p:cNvSpPr>
+          <p:nvPr>
+            <p:ph type="hdr" sz="quarter"/>
+          </p:nvPr>
+        </p:nvSpPr>
+        <p:spPr>
+          <a:xfrm>
+            <a:off x="0" y="0"/>
+            <a:ext cx="2971800" cy="458788"/>
+          </a:xfrm>
+          <a:prstGeom prst="rect">
+            <a:avLst/>
+          </a:prstGeom>
+        </p:spPr>
+        <p:txBody>
+          <a:bodyPr vert="horz" lIns="91440" tIns="45720" rIns="91440" bIns="45720" rtlCol="0"/>
+          <a:lstStyle>
+            <a:lvl1pPr algn="l">
+              <a:defRPr sz="1200"/>
+            </a:lvl1pPr>
+          </a:lstStyle>
+          <a:p>
+            <a:endParaRPr lang="ru-RU"/>
+          </a:p>
+        </p:txBody>
+      </p:sp>
+      <p:sp>
+        <p:nvSpPr>
+          <p:cNvPr id="3" name="Дата 2"/>
+          <p:cNvSpPr>
+            <a:spLocks noGrp="1"/>
+          </p:cNvSpPr>
+          <p:nvPr>
+            <p:ph type="dt" idx="1"/>
+          </p:nvPr>
+        </p:nvSpPr>
+        <p:spPr>
+          <a:xfrm>
+            <a:off x="3884613" y="0"/>
+            <a:ext cx="2971800" cy="458788"/>
+          </a:xfrm>
+          <a:prstGeom prst="rect">
+            <a:avLst/>
+          </a:prstGeom>
+        </p:spPr>
+        <p:txBody>
+          <a:bodyPr vert="horz" lIns="91440" tIns="45720" rIns="91440" bIns="45720" rtlCol="0"/>
+          <a:lstStyle>
+            <a:lvl1pPr algn="r">
+              <a:defRPr sz="1200"/>
+            </a:lvl1pPr>
+          </a:lstStyle>
+          <a:p>
+            <a:fld id="{4E36A77F-8672-4A73-8C1C-DCB7E6983514}" type="datetimeFigureOut">
+              <a:rPr lang="ru-RU" smtClean="0"/>
+              <a:t>15.11.2018</a:t>
+            </a:fld>
+            <a:endParaRPr lang="ru-RU"/>
+          </a:p>
+        </p:txBody>
+      </p:sp>
+      <p:sp>
+        <p:nvSpPr>
+          <p:cNvPr id="4" name="Образ слайда 3"/>
+          <p:cNvSpPr>
+            <a:spLocks noGrp="1" noRot="1" noChangeAspect="1"/>
+          </p:cNvSpPr>
+          <p:nvPr>
+            <p:ph type="sldImg" idx="2"/>
+          </p:nvPr>
+        </p:nvSpPr>
+        <p:spPr>
+          <a:xfrm>
+            <a:off x="685800" y="1143000"/>
+            <a:ext cx="5486400" cy="3086100"/>
+          </a:xfrm>
+          <a:prstGeom prst="rect">
+            <a:avLst/>
+          </a:prstGeom>
+          <a:noFill/>
+          <a:ln w="12700">
+            <a:solidFill>
+              <a:prstClr val="black"/>
+            </a:solidFill>
+          </a:ln>
+        </p:spPr>
+        <p:txBody>
+          <a:bodyPr vert="horz" lIns="91440" tIns="45720" rIns="91440" bIns="45720" rtlCol="0" anchor="ctr"/>
+          <a:lstStyle/>
+          <a:p>
+            <a:endParaRPr lang="ru-RU"/>
+          </a:p>
+        </p:txBody>
+      </p:sp>
+      <p:sp>
+        <p:nvSpPr>
+          <p:cNvPr id="5" name="Заметки 4"/>
+          <p:cNvSpPr>
+            <a:spLocks noGrp="1"/>
+          </p:cNvSpPr>
+          <p:nvPr>
+            <p:ph type="body" sz="quarter" idx="3"/>
+          </p:nvPr>
+        </p:nvSpPr>
+        <p:spPr>
+          <a:xfrm>
+            <a:off x="685800" y="4400550"/>
+            <a:ext cx="5486400" cy="3600450"/>
+          </a:xfrm>
+          <a:prstGeom prst="rect">
+            <a:avLst/>
+          </a:prstGeom>
+        </p:spPr>
+        <p:txBody>
+          <a:bodyPr vert="horz" lIns="91440" tIns="45720" rIns="91440" bIns="45720" rtlCol="0"/>
+          <a:lstStyle/>
+          <a:p>
+            <a:pPr lvl="0"/>
+            <a:r>
+              <a:rPr lang="ru-RU"/>
+              <a:t>Образец текста</a:t>
+            </a:r>
+          </a:p>
+          <a:p>
+            <a:pPr lvl="1"/>
+            <a:r>
+              <a:rPr lang="ru-RU"/>
+              <a:t>Второй уровень</a:t>
+            </a:r>
+          </a:p>
+          <a:p>
+            <a:pPr lvl="2"/>
+            <a:r>
+              <a:rPr lang="ru-RU"/>
+              <a:t>Третий уровень</a:t>
+            </a:r>
+          </a:p>
+          <a:p>
+            <a:pPr lvl="3"/>
+            <a:r>
+              <a:rPr lang="ru-RU"/>
+              <a:t>Четвертый уровень</a:t>
+            </a:r>
+          </a:p>
+          <a:p>
+            <a:pPr lvl="4"/>
+            <a:r>
+              <a:rPr lang="ru-RU"/>
+              <a:t>Пятый уровень</a:t>
+            </a:r>
+          </a:p>
+        </p:txBody>
+      </p:sp>
+      <p:sp>
+        <p:nvSpPr>
+          <p:cNvPr id="6" name="Нижний колонтитул 5"/>
+          <p:cNvSpPr>
+            <a:spLocks noGrp="1"/>
+          </p:cNvSpPr>
+          <p:nvPr>
+            <p:ph type="ftr" sz="quarter" idx="4"/>
+          </p:nvPr>
+        </p:nvSpPr>
+        <p:spPr>
+          <a:xfrm>
+            <a:off x="0" y="8685213"/>
+            <a:ext cx="2971800" cy="458787"/>
+          </a:xfrm>
+          <a:prstGeom prst="rect">
+            <a:avLst/>
+          </a:prstGeom>
+        </p:spPr>
+        <p:txBody>
+          <a:bodyPr vert="horz" lIns="91440" tIns="45720" rIns="91440" bIns="45720" rtlCol="0" anchor="b"/>
+          <a:lstStyle>
+            <a:lvl1pPr algn="l">
+              <a:defRPr sz="1200"/>
+            </a:lvl1pPr>
+          </a:lstStyle>
+          <a:p>
+            <a:endParaRPr lang="ru-RU"/>
+          </a:p>
+        </p:txBody>
+      </p:sp>
+      <p:sp>
+        <p:nvSpPr>
+          <p:cNvPr id="7" name="Номер слайда 6"/>
+          <p:cNvSpPr>
+            <a:spLocks noGrp="1"/>
+          </p:cNvSpPr>
+          <p:nvPr>
+            <p:ph type="sldNum" sz="quarter" idx="5"/>
+          </p:nvPr>
+        </p:nvSpPr>
+        <p:spPr>
+          <a:xfrm>
+            <a:off x="3884613" y="8685213"/>
+            <a:ext cx="2971800" cy="458787"/>
+          </a:xfrm>
+          <a:prstGeom prst="rect">
+            <a:avLst/>
+          </a:prstGeom>
+        </p:spPr>
+        <p:txBody>
+          <a:bodyPr vert="horz" lIns="91440" tIns="45720" rIns="91440" bIns="45720" rtlCol="0" anchor="b"/>
+          <a:lstStyle>
+            <a:lvl1pPr algn="r">
+              <a:defRPr sz="1200"/>
+            </a:lvl1pPr>
+          </a:lstStyle>
+          <a:p>
+            <a:fld id="{E518ABA1-9665-4688-898F-9FDAC1A58B9F}" type="slidenum">
+              <a:rPr lang="ru-RU" smtClean="0"/>
+              <a:t>‹#›</a:t>
+            </a:fld>
+            <a:endParaRPr lang="ru-RU"/>
+          </a:p>
+        </p:txBody>
+      </p:sp>
+    </p:spTree>
+    <p:extLst>
+      <p:ext uri="{BB962C8B-B14F-4D97-AF65-F5344CB8AC3E}">
+        <p14:creationId xmlns:p14="http://schemas.microsoft.com/office/powerpoint/2010/main" val="4259579285"/>
+      </p:ext>
+    </p:extLst>
+  </p:cSld>
+  <p:clrMap bg1="lt1" tx1="dk1" bg2="lt2" tx2="dk2" accent1="accent1" accent2="accent2" accent3="accent3" accent4="accent4" accent5="accent5" accent6="accent6" hlink="hlink" folHlink="folHlink"/>
+  <p:notesStyle>
+    <a:lvl1pPr marL="0" algn="l" defTabSz="914400" rtl="0" eaLnBrk="1" latinLnBrk="0" hangingPunct="1">
+      <a:defRPr sz="1200" kern="1200">
+        <a:solidFill>
+          <a:schemeClr val="tx1"/>
+        </a:solidFill>
+        <a:latin typeface="+mn-lt"/>
+        <a:ea typeface="+mn-ea"/>
+        <a:cs typeface="+mn-cs"/>
+      </a:defRPr>
+    </a:lvl1pPr>
+    <a:lvl2pPr marL="457200" algn="l" defTabSz="914400" rtl="0" eaLnBrk="1" latinLnBrk="0" hangingPunct="1">
+      <a:defRPr sz="1200" kern="1200">
+        <a:solidFill>
+          <a:schemeClr val="tx1"/>
+        </a:solidFill>
+        <a:latin typeface="+mn-lt"/>
+        <a:ea typeface="+mn-ea"/>
+        <a:cs typeface="+mn-cs"/>
+      </a:defRPr>
+    </a:lvl2pPr>
+    <a:lvl3pPr marL="914400" algn="l" defTabSz="914400" rtl="0" eaLnBrk="1" latinLnBrk="0" hangingPunct="1">
+      <a:defRPr sz="1200" kern="1200">
+        <a:solidFill>
+          <a:schemeClr val="tx1"/>
+        </a:solidFill>
+        <a:latin typeface="+mn-lt"/>
+        <a:ea typeface="+mn-ea"/>
+        <a:cs typeface="+mn-cs"/>
+      </a:defRPr>
+    </a:lvl3pPr>
+    <a:lvl4pPr marL="1371600" algn="l" defTabSz="914400" rtl="0" eaLnBrk="1" latinLnBrk="0" hangingPunct="1">
+      <a:defRPr sz="1200" kern="1200">
+        <a:solidFill>
+          <a:schemeClr val="tx1"/>
+        </a:solidFill>
+        <a:latin typeface="+mn-lt"/>
+        <a:ea typeface="+mn-ea"/>
+        <a:cs typeface="+mn-cs"/>
+      </a:defRPr>
+    </a:lvl4pPr>
+    <a:lvl5pPr marL="1828800" algn="l" defTabSz="914400" rtl="0" eaLnBrk="1" latinLnBrk="0" hangingPunct="1">
+      <a:defRPr sz="1200" kern="1200">
+        <a:solidFill>
+          <a:schemeClr val="tx1"/>
+        </a:solidFill>
+        <a:latin typeface="+mn-lt"/>
+        <a:ea typeface="+mn-ea"/>
+        <a:cs typeface="+mn-cs"/>
+      </a:defRPr>
+    </a:lvl5pPr>
+    <a:lvl6pPr marL="2286000" algn="l" defTabSz="914400" rtl="0" eaLnBrk="1" latinLnBrk="0" hangingPunct="1">
+      <a:defRPr sz="1200" kern="1200">
+        <a:solidFill>
+          <a:schemeClr val="tx1"/>
+        </a:solidFill>
+        <a:latin typeface="+mn-lt"/>
+        <a:ea typeface="+mn-ea"/>
+        <a:cs typeface="+mn-cs"/>
+      </a:defRPr>
+    </a:lvl6pPr>
+    <a:lvl7pPr marL="2743200" algn="l" defTabSz="914400" rtl="0" eaLnBrk="1" latinLnBrk="0" hangingPunct="1">
+      <a:defRPr sz="1200" kern="1200">
+        <a:solidFill>
+          <a:schemeClr val="tx1"/>
+        </a:solidFill>
+        <a:latin typeface="+mn-lt"/>
+        <a:ea typeface="+mn-ea"/>
+        <a:cs typeface="+mn-cs"/>
+      </a:defRPr>
+    </a:lvl7pPr>
+    <a:lvl8pPr marL="3200400" algn="l" defTabSz="914400" rtl="0" eaLnBrk="1" latinLnBrk="0" hangingPunct="1">
+      <a:defRPr sz="1200" kern="1200">
+        <a:solidFill>
+          <a:schemeClr val="tx1"/>
+        </a:solidFill>
+        <a:latin typeface="+mn-lt"/>
+        <a:ea typeface="+mn-ea"/>
+        <a:cs typeface="+mn-cs"/>
+      </a:defRPr>
+    </a:lvl8pPr>
+    <a:lvl9pPr marL="3657600" algn="l" defTabSz="914400" rtl="0" eaLnBrk="1" latinLnBrk="0" hangingPunct="1">
+      <a:defRPr sz="1200" kern="1200">
+        <a:solidFill>
+          <a:schemeClr val="tx1"/>
+        </a:solidFill>
+        <a:latin typeface="+mn-lt"/>
+        <a:ea typeface="+mn-ea"/>
+        <a:cs typeface="+mn-cs"/>
+      </a:defRPr>
+    </a:lvl9pPr>
+  </p:notesStyle>
+</p:notesMaster>
+</file>
+
 <file path=ppt/slideLayouts/slideLayout1.xml><?xml version="1.0" encoding="utf-8"?>
 <p:sldLayout xmlns:a="http://schemas.openxmlformats.org/drawingml/2006/main" xmlns:r="http://schemas.openxmlformats.org/officeDocument/2006/relationships" xmlns:p="http://schemas.openxmlformats.org/presentationml/2006/main" type="title" preserve="1">
   <p:cSld name="Титульный слайд">
@@ -263,7 +615,7 @@
           <a:bodyPr/>
           <a:lstStyle/>
           <a:p>
-            <a:fld id="{CA5647E5-8851-4397-9585-9199C0B1B1B3}" type="datetimeFigureOut">
+            <a:fld id="{41A1C1CC-B3D8-4C8E-8046-D1638D573A2B}" type="datetime1">
               <a:rPr lang="ru-RU" smtClean="0"/>
               <a:t>15.11.2018</a:t>
             </a:fld>
@@ -461,7 +813,7 @@
           <a:bodyPr/>
           <a:lstStyle/>
           <a:p>
-            <a:fld id="{CA5647E5-8851-4397-9585-9199C0B1B1B3}" type="datetimeFigureOut">
+            <a:fld id="{3EFEBCDC-F452-444A-9007-9B27774B39F8}" type="datetime1">
               <a:rPr lang="ru-RU" smtClean="0"/>
               <a:t>15.11.2018</a:t>
             </a:fld>
@@ -669,7 +1021,7 @@
           <a:bodyPr/>
           <a:lstStyle/>
           <a:p>
-            <a:fld id="{CA5647E5-8851-4397-9585-9199C0B1B1B3}" type="datetimeFigureOut">
+            <a:fld id="{EB2C3F81-A222-41C9-A9ED-CC01181587DD}" type="datetime1">
               <a:rPr lang="ru-RU" smtClean="0"/>
               <a:t>15.11.2018</a:t>
             </a:fld>
@@ -867,7 +1219,7 @@
           <a:bodyPr/>
           <a:lstStyle/>
           <a:p>
-            <a:fld id="{CA5647E5-8851-4397-9585-9199C0B1B1B3}" type="datetimeFigureOut">
+            <a:fld id="{53BB6282-486F-4E9C-AA8A-CF547D689096}" type="datetime1">
               <a:rPr lang="ru-RU" smtClean="0"/>
               <a:t>15.11.2018</a:t>
             </a:fld>
@@ -1142,7 +1494,7 @@
           <a:bodyPr/>
           <a:lstStyle/>
           <a:p>
-            <a:fld id="{CA5647E5-8851-4397-9585-9199C0B1B1B3}" type="datetimeFigureOut">
+            <a:fld id="{EFCA3A0C-FFBF-4893-98C7-147CB4F91121}" type="datetime1">
               <a:rPr lang="ru-RU" smtClean="0"/>
               <a:t>15.11.2018</a:t>
             </a:fld>
@@ -1407,7 +1759,7 @@
           <a:bodyPr/>
           <a:lstStyle/>
           <a:p>
-            <a:fld id="{CA5647E5-8851-4397-9585-9199C0B1B1B3}" type="datetimeFigureOut">
+            <a:fld id="{2B756AA8-EBF4-457D-8373-1AB5386CE1BD}" type="datetime1">
               <a:rPr lang="ru-RU" smtClean="0"/>
               <a:t>15.11.2018</a:t>
             </a:fld>
@@ -1819,7 +2171,7 @@
           <a:bodyPr/>
           <a:lstStyle/>
           <a:p>
-            <a:fld id="{CA5647E5-8851-4397-9585-9199C0B1B1B3}" type="datetimeFigureOut">
+            <a:fld id="{F992B2FF-AA4E-4D2F-9C0E-B7E677732FE2}" type="datetime1">
               <a:rPr lang="ru-RU" smtClean="0"/>
               <a:t>15.11.2018</a:t>
             </a:fld>
@@ -1960,7 +2312,7 @@
           <a:bodyPr/>
           <a:lstStyle/>
           <a:p>
-            <a:fld id="{CA5647E5-8851-4397-9585-9199C0B1B1B3}" type="datetimeFigureOut">
+            <a:fld id="{AA0E6BCF-0AE7-4C9E-AFF8-7835D3A33809}" type="datetime1">
               <a:rPr lang="ru-RU" smtClean="0"/>
               <a:t>15.11.2018</a:t>
             </a:fld>
@@ -2073,7 +2425,7 @@
           <a:bodyPr/>
           <a:lstStyle/>
           <a:p>
-            <a:fld id="{CA5647E5-8851-4397-9585-9199C0B1B1B3}" type="datetimeFigureOut">
+            <a:fld id="{FAD6445F-8912-4903-88D4-3A5FEA4CADB2}" type="datetime1">
               <a:rPr lang="ru-RU" smtClean="0"/>
               <a:t>15.11.2018</a:t>
             </a:fld>
@@ -2384,7 +2736,7 @@
           <a:bodyPr/>
           <a:lstStyle/>
           <a:p>
-            <a:fld id="{CA5647E5-8851-4397-9585-9199C0B1B1B3}" type="datetimeFigureOut">
+            <a:fld id="{BEAE24E9-5EBC-4BB3-9D46-28544889ABF5}" type="datetime1">
               <a:rPr lang="ru-RU" smtClean="0"/>
               <a:t>15.11.2018</a:t>
             </a:fld>
@@ -2672,7 +3024,7 @@
           <a:bodyPr/>
           <a:lstStyle/>
           <a:p>
-            <a:fld id="{CA5647E5-8851-4397-9585-9199C0B1B1B3}" type="datetimeFigureOut">
+            <a:fld id="{ABA8EFEA-CDFD-48E3-90C7-4303FF9B30FB}" type="datetime1">
               <a:rPr lang="ru-RU" smtClean="0"/>
               <a:t>15.11.2018</a:t>
             </a:fld>
@@ -2913,7 +3265,7 @@
             </a:lvl1pPr>
           </a:lstStyle>
           <a:p>
-            <a:fld id="{CA5647E5-8851-4397-9585-9199C0B1B1B3}" type="datetimeFigureOut">
+            <a:fld id="{C83918CD-5093-4561-9521-054EB4B0E6D3}" type="datetime1">
               <a:rPr lang="ru-RU" smtClean="0"/>
               <a:t>15.11.2018</a:t>
             </a:fld>
@@ -3032,6 +3384,7 @@
     <p:sldLayoutId id="2147483658" r:id="rId10"/>
     <p:sldLayoutId id="2147483659" r:id="rId11"/>
   </p:sldLayoutIdLst>
+  <p:hf hdr="0" ftr="0" dt="0"/>
   <p:txStyles>
     <p:titleStyle>
       <a:lvl1pPr algn="l" defTabSz="914400" rtl="0" eaLnBrk="1" latinLnBrk="0" hangingPunct="1">
@@ -3913,6 +4266,41 @@
           </a:p>
         </p:txBody>
       </p:sp>
+      <p:sp>
+        <p:nvSpPr>
+          <p:cNvPr id="6" name="Номер слайда 5">
+            <a:extLst>
+              <a:ext uri="{FF2B5EF4-FFF2-40B4-BE49-F238E27FC236}">
+                <a16:creationId xmlns:a16="http://schemas.microsoft.com/office/drawing/2014/main" id="{65674EDD-9635-4DD6-BEEE-A812724E2125}"/>
+              </a:ext>
+            </a:extLst>
+          </p:cNvPr>
+          <p:cNvSpPr>
+            <a:spLocks noGrp="1"/>
+          </p:cNvSpPr>
+          <p:nvPr>
+            <p:ph type="sldNum" sz="quarter" idx="12"/>
+          </p:nvPr>
+        </p:nvSpPr>
+        <p:spPr/>
+        <p:txBody>
+          <a:bodyPr/>
+          <a:lstStyle/>
+          <a:p>
+            <a:fld id="{5BA03979-4C1E-47B9-A32B-BE5890192111}" type="slidenum">
+              <a:rPr lang="ru-RU" sz="4000" smtClean="0">
+                <a:latin typeface="Verdana" panose="020B0604030504040204" pitchFamily="34" charset="0"/>
+                <a:ea typeface="Verdana" panose="020B0604030504040204" pitchFamily="34" charset="0"/>
+              </a:rPr>
+              <a:t>2</a:t>
+            </a:fld>
+            <a:endParaRPr lang="ru-RU" sz="4000" dirty="0">
+              <a:latin typeface="Verdana" panose="020B0604030504040204" pitchFamily="34" charset="0"/>
+              <a:ea typeface="Verdana" panose="020B0604030504040204" pitchFamily="34" charset="0"/>
+            </a:endParaRPr>
+          </a:p>
+        </p:txBody>
+      </p:sp>
     </p:spTree>
     <p:extLst>
       <p:ext uri="{BB962C8B-B14F-4D97-AF65-F5344CB8AC3E}">
@@ -4173,6 +4561,41 @@
           </a:p>
         </p:txBody>
       </p:sp>
+      <p:sp>
+        <p:nvSpPr>
+          <p:cNvPr id="5" name="Номер слайда 4">
+            <a:extLst>
+              <a:ext uri="{FF2B5EF4-FFF2-40B4-BE49-F238E27FC236}">
+                <a16:creationId xmlns:a16="http://schemas.microsoft.com/office/drawing/2014/main" id="{E0C9B9F5-5D77-4924-A36D-A6C778E6FFDF}"/>
+              </a:ext>
+            </a:extLst>
+          </p:cNvPr>
+          <p:cNvSpPr>
+            <a:spLocks noGrp="1"/>
+          </p:cNvSpPr>
+          <p:nvPr>
+            <p:ph type="sldNum" sz="quarter" idx="12"/>
+          </p:nvPr>
+        </p:nvSpPr>
+        <p:spPr/>
+        <p:txBody>
+          <a:bodyPr/>
+          <a:lstStyle/>
+          <a:p>
+            <a:fld id="{5BA03979-4C1E-47B9-A32B-BE5890192111}" type="slidenum">
+              <a:rPr lang="ru-RU" sz="4000" smtClean="0">
+                <a:latin typeface="Verdana" panose="020B0604030504040204" pitchFamily="34" charset="0"/>
+                <a:ea typeface="Verdana" panose="020B0604030504040204" pitchFamily="34" charset="0"/>
+              </a:rPr>
+              <a:t>3</a:t>
+            </a:fld>
+            <a:endParaRPr lang="ru-RU" sz="4000" dirty="0">
+              <a:latin typeface="Verdana" panose="020B0604030504040204" pitchFamily="34" charset="0"/>
+              <a:ea typeface="Verdana" panose="020B0604030504040204" pitchFamily="34" charset="0"/>
+            </a:endParaRPr>
+          </a:p>
+        </p:txBody>
+      </p:sp>
     </p:spTree>
     <p:extLst>
       <p:ext uri="{BB962C8B-B14F-4D97-AF65-F5344CB8AC3E}">
@@ -4383,106 +4806,49 @@
         </p:spPr>
         <p:txBody>
           <a:bodyPr>
-            <a:normAutofit fontScale="70000" lnSpcReduction="20000"/>
+            <a:normAutofit/>
           </a:bodyPr>
           <a:lstStyle/>
           <a:p>
-            <a:pPr marL="0" indent="0">
-              <a:buNone/>
-            </a:pPr>
-            <a:r>
-              <a:rPr lang="ru-RU" sz="4600" u="sng" dirty="0"/>
-              <a:t>Проектные</a:t>
-            </a:r>
-            <a:endParaRPr lang="ru-RU" sz="4600" dirty="0"/>
-          </a:p>
-          <a:p>
             <a:pPr lvl="0"/>
             <a:r>
-              <a:rPr lang="ru-RU" sz="4600" dirty="0"/>
-              <a:t>спроектирована БД</a:t>
-            </a:r>
-            <a:endParaRPr lang="ru-RU" sz="4600" dirty="0">
+              <a:rPr lang="ru-RU" sz="4400" dirty="0"/>
+              <a:t>БД</a:t>
+            </a:r>
+            <a:endParaRPr lang="ru-RU" sz="4400" dirty="0">
               <a:effectLst/>
             </a:endParaRPr>
           </a:p>
           <a:p>
             <a:pPr lvl="0"/>
             <a:r>
-              <a:rPr lang="ru-RU" sz="4600" dirty="0"/>
-              <a:t>разработка ПО</a:t>
-            </a:r>
-            <a:endParaRPr lang="ru-RU" sz="4600" dirty="0">
+              <a:rPr lang="ru-RU" sz="4400" dirty="0">
+                <a:effectLst/>
+              </a:rPr>
+              <a:t>Веб-приложение</a:t>
+            </a:r>
+          </a:p>
+          <a:p>
+            <a:pPr lvl="0"/>
+            <a:r>
+              <a:rPr lang="ru-RU" sz="4400" dirty="0"/>
+              <a:t>Тесты для ПО</a:t>
+            </a:r>
+            <a:endParaRPr lang="ru-RU" sz="4400" dirty="0">
               <a:effectLst/>
             </a:endParaRPr>
           </a:p>
           <a:p>
             <a:pPr lvl="0"/>
             <a:r>
-              <a:rPr lang="ru-RU" sz="4600" dirty="0"/>
-              <a:t>тестирование ПО</a:t>
+              <a:rPr lang="ru-RU" sz="4400" dirty="0"/>
+              <a:t>Прототип сканера штрих-кодов на </a:t>
+            </a:r>
+            <a:r>
+              <a:rPr lang="en-GB" sz="4400" dirty="0"/>
+              <a:t>Raspberry Pi</a:t>
             </a:r>
             <a:endParaRPr lang="ru-RU" sz="4600" dirty="0">
-              <a:effectLst/>
-            </a:endParaRPr>
-          </a:p>
-          <a:p>
-            <a:pPr lvl="0"/>
-            <a:r>
-              <a:rPr lang="ru-RU" sz="4600" dirty="0"/>
-              <a:t>проектирование сканера штрих-кодов на </a:t>
-            </a:r>
-            <a:r>
-              <a:rPr lang="en-GB" sz="4600" dirty="0"/>
-              <a:t>Raspberry Pi</a:t>
-            </a:r>
-            <a:endParaRPr lang="ru-RU" sz="4600" dirty="0">
-              <a:effectLst/>
-            </a:endParaRPr>
-          </a:p>
-          <a:p>
-            <a:pPr marL="0" indent="0">
-              <a:buNone/>
-            </a:pPr>
-            <a:endParaRPr lang="ru-RU" sz="4600" dirty="0"/>
-          </a:p>
-          <a:p>
-            <a:pPr marL="0" indent="0">
-              <a:buNone/>
-            </a:pPr>
-            <a:r>
-              <a:rPr lang="ru-RU" sz="4600" u="sng" dirty="0"/>
-              <a:t>Образовательные</a:t>
-            </a:r>
-            <a:endParaRPr lang="ru-RU" sz="4600" dirty="0"/>
-          </a:p>
-          <a:p>
-            <a:pPr lvl="0"/>
-            <a:r>
-              <a:rPr lang="ru-RU" sz="4600" dirty="0"/>
-              <a:t>изучение аналогичных разработок</a:t>
-            </a:r>
-            <a:endParaRPr lang="ru-RU" sz="4600" dirty="0">
-              <a:effectLst/>
-            </a:endParaRPr>
-          </a:p>
-          <a:p>
-            <a:pPr lvl="0"/>
-            <a:r>
-              <a:rPr lang="ru-RU" sz="4600" dirty="0"/>
-              <a:t>создание отчета</a:t>
-            </a:r>
-            <a:endParaRPr lang="ru-RU" sz="4600" dirty="0">
-              <a:effectLst/>
-            </a:endParaRPr>
-          </a:p>
-          <a:p>
-            <a:pPr lvl="0"/>
-            <a:r>
-              <a:rPr lang="ru-RU" sz="4600" dirty="0"/>
-              <a:t>разработка презентации по итогам выполнения проекта</a:t>
-            </a:r>
-            <a:endParaRPr lang="ru-RU" sz="4100" dirty="0">
               <a:effectLst/>
             </a:endParaRPr>
           </a:p>
@@ -4494,6 +4860,41 @@
               <a:solidFill>
                 <a:srgbClr val="FFFFFF"/>
               </a:solidFill>
+            </a:endParaRPr>
+          </a:p>
+        </p:txBody>
+      </p:sp>
+      <p:sp>
+        <p:nvSpPr>
+          <p:cNvPr id="4" name="Номер слайда 3">
+            <a:extLst>
+              <a:ext uri="{FF2B5EF4-FFF2-40B4-BE49-F238E27FC236}">
+                <a16:creationId xmlns:a16="http://schemas.microsoft.com/office/drawing/2014/main" id="{D41A22BD-C60B-441E-BB4C-B0423ADFE53E}"/>
+              </a:ext>
+            </a:extLst>
+          </p:cNvPr>
+          <p:cNvSpPr>
+            <a:spLocks noGrp="1"/>
+          </p:cNvSpPr>
+          <p:nvPr>
+            <p:ph type="sldNum" sz="quarter" idx="12"/>
+          </p:nvPr>
+        </p:nvSpPr>
+        <p:spPr/>
+        <p:txBody>
+          <a:bodyPr/>
+          <a:lstStyle/>
+          <a:p>
+            <a:fld id="{5BA03979-4C1E-47B9-A32B-BE5890192111}" type="slidenum">
+              <a:rPr lang="ru-RU" sz="4000" smtClean="0">
+                <a:latin typeface="Verdana" panose="020B0604030504040204" pitchFamily="34" charset="0"/>
+                <a:ea typeface="Verdana" panose="020B0604030504040204" pitchFamily="34" charset="0"/>
+              </a:rPr>
+              <a:t>4</a:t>
+            </a:fld>
+            <a:endParaRPr lang="ru-RU" sz="4000" dirty="0">
+              <a:latin typeface="Verdana" panose="020B0604030504040204" pitchFamily="34" charset="0"/>
+              <a:ea typeface="Verdana" panose="020B0604030504040204" pitchFamily="34" charset="0"/>
             </a:endParaRPr>
           </a:p>
         </p:txBody>
@@ -4701,7 +5102,7 @@
         </p:spPr>
         <p:txBody>
           <a:bodyPr numCol="2">
-            <a:normAutofit lnSpcReduction="10000"/>
+            <a:normAutofit fontScale="92500" lnSpcReduction="20000"/>
           </a:bodyPr>
           <a:lstStyle/>
           <a:p>
@@ -4709,31 +5110,35 @@
               <a:buNone/>
             </a:pPr>
             <a:r>
-              <a:rPr lang="ru-RU" sz="3200" dirty="0"/>
-              <a:t>Этап 1 (30%)</a:t>
+              <a:rPr lang="ru-RU" sz="3900" b="1" dirty="0"/>
+              <a:t>Этап 1</a:t>
+            </a:r>
+            <a:r>
+              <a:rPr lang="ru-RU" sz="3900" dirty="0"/>
+              <a:t> </a:t>
             </a:r>
           </a:p>
           <a:p>
             <a:pPr lvl="1"/>
             <a:r>
-              <a:rPr lang="ru-RU" sz="2800" dirty="0"/>
+              <a:rPr lang="ru-RU" sz="3500" dirty="0"/>
               <a:t>Проектное предложение</a:t>
             </a:r>
-            <a:endParaRPr lang="ru-RU" sz="2800" dirty="0">
+            <a:endParaRPr lang="ru-RU" sz="3500" dirty="0">
               <a:effectLst/>
             </a:endParaRPr>
           </a:p>
           <a:p>
             <a:pPr lvl="1"/>
             <a:r>
-              <a:rPr lang="ru-RU" sz="2800" dirty="0"/>
+              <a:rPr lang="ru-RU" sz="3500" dirty="0"/>
               <a:t>ТЗ</a:t>
             </a:r>
           </a:p>
           <a:p>
             <a:pPr lvl="1"/>
             <a:r>
-              <a:rPr lang="ru-RU" sz="2800" dirty="0">
+              <a:rPr lang="ru-RU" sz="3500" dirty="0">
                 <a:solidFill>
                   <a:srgbClr val="FFFFFF"/>
                 </a:solidFill>
@@ -4746,130 +5151,158 @@
               <a:buNone/>
             </a:pPr>
             <a:r>
-              <a:rPr lang="ru-RU" sz="3200" dirty="0"/>
-              <a:t>Этап 2 (30%)</a:t>
+              <a:rPr lang="ru-RU" sz="3900" b="1" dirty="0"/>
+              <a:t>Этап 2</a:t>
+            </a:r>
+            <a:r>
+              <a:rPr lang="ru-RU" sz="3900" dirty="0"/>
+              <a:t> </a:t>
             </a:r>
           </a:p>
           <a:p>
             <a:pPr lvl="1"/>
             <a:r>
-              <a:rPr lang="ru-RU" sz="2800" dirty="0"/>
+              <a:rPr lang="ru-RU" sz="3500" dirty="0"/>
               <a:t>Альфа-тестирование</a:t>
             </a:r>
-            <a:endParaRPr lang="ru-RU" sz="2800" dirty="0">
+            <a:endParaRPr lang="ru-RU" sz="3500" dirty="0">
               <a:effectLst/>
             </a:endParaRPr>
           </a:p>
           <a:p>
             <a:pPr lvl="1"/>
             <a:r>
-              <a:rPr lang="ru-RU" sz="2800" dirty="0"/>
+              <a:rPr lang="ru-RU" sz="3500" dirty="0"/>
               <a:t>Рабочая версия</a:t>
             </a:r>
-            <a:endParaRPr lang="ru-RU" sz="2800" dirty="0">
+            <a:endParaRPr lang="ru-RU" sz="3500" dirty="0">
               <a:effectLst/>
             </a:endParaRPr>
           </a:p>
           <a:p>
             <a:pPr lvl="1"/>
             <a:r>
-              <a:rPr lang="ru-RU" sz="2800" dirty="0"/>
-              <a:t>Интеграция</a:t>
-            </a:r>
-            <a:endParaRPr lang="ru-RU" sz="2800" dirty="0">
+              <a:rPr lang="ru-RU" sz="3500" dirty="0"/>
+              <a:t>Документация</a:t>
+            </a:r>
+          </a:p>
+          <a:p>
+            <a:pPr marL="0" indent="0">
+              <a:buNone/>
+            </a:pPr>
+            <a:endParaRPr lang="ru-RU" sz="3900" dirty="0"/>
+          </a:p>
+          <a:p>
+            <a:pPr marL="0" indent="0">
+              <a:buNone/>
+            </a:pPr>
+            <a:r>
+              <a:rPr lang="ru-RU" sz="3900" b="1" dirty="0"/>
+              <a:t>Этап 3</a:t>
+            </a:r>
+            <a:r>
+              <a:rPr lang="ru-RU" sz="3900" dirty="0"/>
+              <a:t> </a:t>
+            </a:r>
+          </a:p>
+          <a:p>
+            <a:pPr lvl="1"/>
+            <a:r>
+              <a:rPr lang="ru-RU" sz="3500" dirty="0"/>
+              <a:t>Бета-тестирование</a:t>
+            </a:r>
+            <a:endParaRPr lang="ru-RU" sz="3500" dirty="0">
               <a:effectLst/>
             </a:endParaRPr>
           </a:p>
           <a:p>
             <a:pPr lvl="1"/>
             <a:r>
-              <a:rPr lang="ru-RU" sz="2800" dirty="0"/>
-              <a:t>Документация</a:t>
-            </a:r>
-            <a:endParaRPr lang="ru-RU" sz="2800" dirty="0">
+              <a:rPr lang="en-US" sz="3500" dirty="0"/>
+              <a:t>MVR (</a:t>
+            </a:r>
+            <a:r>
+              <a:rPr lang="ru-RU" sz="3500" dirty="0"/>
+              <a:t>минимальный жизнеспособный продукт</a:t>
+            </a:r>
+            <a:r>
+              <a:rPr lang="en-US" sz="3500" dirty="0"/>
+              <a:t>)</a:t>
+            </a:r>
+            <a:endParaRPr lang="ru-RU" sz="3500" dirty="0">
               <a:effectLst/>
             </a:endParaRPr>
           </a:p>
           <a:p>
             <a:pPr lvl="1"/>
             <a:r>
-              <a:rPr lang="en-US" sz="2800" dirty="0"/>
-              <a:t>API</a:t>
-            </a:r>
-            <a:endParaRPr lang="ru-RU" sz="2800" dirty="0"/>
-          </a:p>
-          <a:p>
-            <a:pPr marL="0" indent="0">
-              <a:buNone/>
-            </a:pPr>
-            <a:r>
-              <a:rPr lang="ru-RU" sz="3200" dirty="0"/>
-              <a:t>Этап 3 (40%)</a:t>
-            </a:r>
-          </a:p>
-          <a:p>
-            <a:pPr lvl="1"/>
-            <a:r>
-              <a:rPr lang="ru-RU" sz="2800" dirty="0"/>
-              <a:t>Бета-тестирование</a:t>
-            </a:r>
-            <a:endParaRPr lang="ru-RU" sz="2800" dirty="0">
+              <a:rPr lang="ru-RU" sz="3500" dirty="0"/>
+              <a:t>Публичное тестирование</a:t>
+            </a:r>
+            <a:endParaRPr lang="ru-RU" sz="3500" dirty="0">
               <a:effectLst/>
             </a:endParaRPr>
           </a:p>
           <a:p>
             <a:pPr lvl="1"/>
             <a:r>
-              <a:rPr lang="en-US" sz="2800" dirty="0"/>
-              <a:t>MVR (</a:t>
-            </a:r>
-            <a:r>
-              <a:rPr lang="ru-RU" sz="2800" dirty="0"/>
-              <a:t>минимальный жизнеспособный продукт</a:t>
-            </a:r>
-            <a:r>
-              <a:rPr lang="en-US" sz="2800" dirty="0"/>
-              <a:t>)</a:t>
-            </a:r>
-            <a:endParaRPr lang="ru-RU" sz="2800" dirty="0">
+              <a:rPr lang="ru-RU" sz="3500" dirty="0"/>
+              <a:t>Публичный доступ</a:t>
+            </a:r>
+            <a:endParaRPr lang="ru-RU" sz="3000" dirty="0">
               <a:effectLst/>
             </a:endParaRPr>
           </a:p>
           <a:p>
             <a:pPr lvl="1"/>
-            <a:r>
-              <a:rPr lang="ru-RU" sz="2800" dirty="0"/>
-              <a:t>Публичное тестирование</a:t>
-            </a:r>
-            <a:endParaRPr lang="ru-RU" sz="2800" dirty="0">
+            <a:endParaRPr lang="ru-RU" sz="3000" dirty="0">
               <a:effectLst/>
             </a:endParaRPr>
           </a:p>
           <a:p>
             <a:pPr lvl="1"/>
-            <a:r>
-              <a:rPr lang="ru-RU" sz="2800" dirty="0"/>
-              <a:t>Публичный доступ</a:t>
-            </a:r>
-            <a:endParaRPr lang="ru-RU" dirty="0">
-              <a:effectLst/>
-            </a:endParaRPr>
-          </a:p>
-          <a:p>
-            <a:pPr lvl="1"/>
-            <a:endParaRPr lang="ru-RU" dirty="0">
-              <a:effectLst/>
-            </a:endParaRPr>
-          </a:p>
-          <a:p>
-            <a:pPr lvl="1"/>
-            <a:endParaRPr lang="ru-RU" dirty="0"/>
+            <a:endParaRPr lang="ru-RU" sz="3000" dirty="0"/>
           </a:p>
           <a:p>
             <a:endParaRPr lang="ru-RU" dirty="0">
               <a:solidFill>
                 <a:srgbClr val="FFFFFF"/>
               </a:solidFill>
+            </a:endParaRPr>
+          </a:p>
+        </p:txBody>
+      </p:sp>
+      <p:sp>
+        <p:nvSpPr>
+          <p:cNvPr id="5" name="Номер слайда 4">
+            <a:extLst>
+              <a:ext uri="{FF2B5EF4-FFF2-40B4-BE49-F238E27FC236}">
+                <a16:creationId xmlns:a16="http://schemas.microsoft.com/office/drawing/2014/main" id="{D3E8877A-777D-41DC-AFC0-FBC1FAD66E92}"/>
+              </a:ext>
+            </a:extLst>
+          </p:cNvPr>
+          <p:cNvSpPr>
+            <a:spLocks noGrp="1"/>
+          </p:cNvSpPr>
+          <p:nvPr>
+            <p:ph type="sldNum" sz="quarter" idx="12"/>
+          </p:nvPr>
+        </p:nvSpPr>
+        <p:spPr/>
+        <p:txBody>
+          <a:bodyPr/>
+          <a:lstStyle/>
+          <a:p>
+            <a:fld id="{5BA03979-4C1E-47B9-A32B-BE5890192111}" type="slidenum">
+              <a:rPr lang="ru-RU" sz="4000" smtClean="0">
+                <a:latin typeface="Verdana" panose="020B0604030504040204" pitchFamily="34" charset="0"/>
+                <a:ea typeface="Verdana" panose="020B0604030504040204" pitchFamily="34" charset="0"/>
+              </a:rPr>
+              <a:t>5</a:t>
+            </a:fld>
+            <a:endParaRPr lang="ru-RU" sz="4000" dirty="0">
+              <a:latin typeface="Verdana" panose="020B0604030504040204" pitchFamily="34" charset="0"/>
+              <a:ea typeface="Verdana" panose="020B0604030504040204" pitchFamily="34" charset="0"/>
             </a:endParaRPr>
           </a:p>
         </p:txBody>
@@ -5091,7 +5524,7 @@
             <a:pPr lvl="0"/>
             <a:r>
               <a:rPr lang="ru-RU" sz="3600" dirty="0"/>
-              <a:t>Компьютер с выходом в Интернет;</a:t>
+              <a:t>Компьютер с выходом в Интернет</a:t>
             </a:r>
             <a:endParaRPr lang="ru-RU" sz="3200" dirty="0"/>
           </a:p>
@@ -5100,10 +5533,6 @@
             <a:r>
               <a:rPr lang="en-US" sz="3600" dirty="0"/>
               <a:t>Raspberry Pi 3 Model B</a:t>
-            </a:r>
-            <a:r>
-              <a:rPr lang="ru-RU" sz="3600" dirty="0"/>
-              <a:t>;</a:t>
             </a:r>
             <a:endParaRPr lang="ru-RU" sz="3600" dirty="0">
               <a:effectLst/>
@@ -5117,7 +5546,7 @@
             </a:r>
             <a:r>
               <a:rPr lang="ru-RU" sz="3600" dirty="0"/>
-              <a:t> адаптер питания;</a:t>
+              <a:t> адаптер питания</a:t>
             </a:r>
             <a:endParaRPr lang="ru-RU" sz="3600" dirty="0">
               <a:effectLst/>
@@ -5129,10 +5558,6 @@
               <a:rPr lang="en-US" sz="3600" dirty="0"/>
               <a:t>16GB Micro SD</a:t>
             </a:r>
-            <a:r>
-              <a:rPr lang="ru-RU" sz="3600" dirty="0"/>
-              <a:t>;</a:t>
-            </a:r>
             <a:endParaRPr lang="ru-RU" sz="3600" dirty="0">
               <a:effectLst/>
             </a:endParaRPr>
@@ -5145,12 +5570,47 @@
             </a:r>
             <a:r>
               <a:rPr lang="ru-RU" sz="3600" dirty="0"/>
-              <a:t>сканнер штрих-кодов;</a:t>
+              <a:t>сканер штрих-кодов</a:t>
             </a:r>
             <a:endParaRPr lang="ru-RU" sz="3600" dirty="0">
               <a:solidFill>
                 <a:srgbClr val="FFFFFF"/>
               </a:solidFill>
+            </a:endParaRPr>
+          </a:p>
+        </p:txBody>
+      </p:sp>
+      <p:sp>
+        <p:nvSpPr>
+          <p:cNvPr id="5" name="Номер слайда 4">
+            <a:extLst>
+              <a:ext uri="{FF2B5EF4-FFF2-40B4-BE49-F238E27FC236}">
+                <a16:creationId xmlns:a16="http://schemas.microsoft.com/office/drawing/2014/main" id="{F621795B-DFC4-4007-A29B-1DC46702CDCB}"/>
+              </a:ext>
+            </a:extLst>
+          </p:cNvPr>
+          <p:cNvSpPr>
+            <a:spLocks noGrp="1"/>
+          </p:cNvSpPr>
+          <p:nvPr>
+            <p:ph type="sldNum" sz="quarter" idx="12"/>
+          </p:nvPr>
+        </p:nvSpPr>
+        <p:spPr/>
+        <p:txBody>
+          <a:bodyPr/>
+          <a:lstStyle/>
+          <a:p>
+            <a:fld id="{5BA03979-4C1E-47B9-A32B-BE5890192111}" type="slidenum">
+              <a:rPr lang="ru-RU" sz="4000" smtClean="0">
+                <a:latin typeface="Verdana" panose="020B0604030504040204" pitchFamily="34" charset="0"/>
+                <a:ea typeface="Verdana" panose="020B0604030504040204" pitchFamily="34" charset="0"/>
+              </a:rPr>
+              <a:t>6</a:t>
+            </a:fld>
+            <a:endParaRPr lang="ru-RU" sz="4000" dirty="0">
+              <a:latin typeface="Verdana" panose="020B0604030504040204" pitchFamily="34" charset="0"/>
+              <a:ea typeface="Verdana" panose="020B0604030504040204" pitchFamily="34" charset="0"/>
             </a:endParaRPr>
           </a:p>
         </p:txBody>
@@ -5638,4 +6098,299 @@
     </a:ext>
   </a:extLst>
 </a:theme>
+</file>
+
+<file path=ppt/theme/theme2.xml><?xml version="1.0" encoding="utf-8"?>
+<a:theme xmlns:a="http://schemas.openxmlformats.org/drawingml/2006/main" name="Тема Office">
+  <a:themeElements>
+    <a:clrScheme name="Стандартная">
+      <a:dk1>
+        <a:sysClr val="windowText" lastClr="000000"/>
+      </a:dk1>
+      <a:lt1>
+        <a:sysClr val="window" lastClr="FFFFFF"/>
+      </a:lt1>
+      <a:dk2>
+        <a:srgbClr val="44546A"/>
+      </a:dk2>
+      <a:lt2>
+        <a:srgbClr val="E7E6E6"/>
+      </a:lt2>
+      <a:accent1>
+        <a:srgbClr val="4472C4"/>
+      </a:accent1>
+      <a:accent2>
+        <a:srgbClr val="ED7D31"/>
+      </a:accent2>
+      <a:accent3>
+        <a:srgbClr val="A5A5A5"/>
+      </a:accent3>
+      <a:accent4>
+        <a:srgbClr val="FFC000"/>
+      </a:accent4>
+      <a:accent5>
+        <a:srgbClr val="5B9BD5"/>
+      </a:accent5>
+      <a:accent6>
+        <a:srgbClr val="70AD47"/>
+      </a:accent6>
+      <a:hlink>
+        <a:srgbClr val="0563C1"/>
+      </a:hlink>
+      <a:folHlink>
+        <a:srgbClr val="954F72"/>
+      </a:folHlink>
+    </a:clrScheme>
+    <a:fontScheme name="Стандартная">
+      <a:majorFont>
+        <a:latin typeface="Calibri Light" panose="020F0302020204030204"/>
+        <a:ea typeface=""/>
+        <a:cs typeface=""/>
+        <a:font script="Jpan" typeface="游ゴシック Light"/>
+        <a:font script="Hang" typeface="맑은 고딕"/>
+        <a:font script="Hans" typeface="等线 Light"/>
+        <a:font script="Hant" typeface="新細明體"/>
+        <a:font script="Arab" typeface="Times New Roman"/>
+        <a:font script="Hebr" typeface="Times New Roman"/>
+        <a:font script="Thai" typeface="Angsana New"/>
+        <a:font script="Ethi" typeface="Nyala"/>
+        <a:font script="Beng" typeface="Vrinda"/>
+        <a:font script="Gujr" typeface="Shruti"/>
+        <a:font script="Khmr" typeface="MoolBoran"/>
+        <a:font script="Knda" typeface="Tunga"/>
+        <a:font script="Guru" typeface="Raavi"/>
+        <a:font script="Cans" typeface="Euphemia"/>
+        <a:font script="Cher" typeface="Plantagenet Cherokee"/>
+        <a:font script="Yiii" typeface="Microsoft Yi Baiti"/>
+        <a:font script="Tibt" typeface="Microsoft Himalaya"/>
+        <a:font script="Thaa" typeface="MV Boli"/>
+        <a:font script="Deva" typeface="Mangal"/>
+        <a:font script="Telu" typeface="Gautami"/>
+        <a:font script="Taml" typeface="Latha"/>
+        <a:font script="Syrc" typeface="Estrangelo Edessa"/>
+        <a:font script="Orya" typeface="Kalinga"/>
+        <a:font script="Mlym" typeface="Kartika"/>
+        <a:font script="Laoo" typeface="DokChampa"/>
+        <a:font script="Sinh" typeface="Iskoola Pota"/>
+        <a:font script="Mong" typeface="Mongolian Baiti"/>
+        <a:font script="Viet" typeface="Times New Roman"/>
+        <a:font script="Uigh" typeface="Microsoft Uighur"/>
+        <a:font script="Geor" typeface="Sylfaen"/>
+        <a:font script="Armn" typeface="Arial"/>
+        <a:font script="Bugi" typeface="Leelawadee UI"/>
+        <a:font script="Bopo" typeface="Microsoft JhengHei"/>
+        <a:font script="Java" typeface="Javanese Text"/>
+        <a:font script="Lisu" typeface="Segoe UI"/>
+        <a:font script="Mymr" typeface="Myanmar Text"/>
+        <a:font script="Nkoo" typeface="Ebrima"/>
+        <a:font script="Olck" typeface="Nirmala UI"/>
+        <a:font script="Osma" typeface="Ebrima"/>
+        <a:font script="Phag" typeface="Phagspa"/>
+        <a:font script="Syrn" typeface="Estrangelo Edessa"/>
+        <a:font script="Syrj" typeface="Estrangelo Edessa"/>
+        <a:font script="Syre" typeface="Estrangelo Edessa"/>
+        <a:font script="Sora" typeface="Nirmala UI"/>
+        <a:font script="Tale" typeface="Microsoft Tai Le"/>
+        <a:font script="Talu" typeface="Microsoft New Tai Lue"/>
+        <a:font script="Tfng" typeface="Ebrima"/>
+      </a:majorFont>
+      <a:minorFont>
+        <a:latin typeface="Calibri" panose="020F0502020204030204"/>
+        <a:ea typeface=""/>
+        <a:cs typeface=""/>
+        <a:font script="Jpan" typeface="游ゴシック"/>
+        <a:font script="Hang" typeface="맑은 고딕"/>
+        <a:font script="Hans" typeface="等线"/>
+        <a:font script="Hant" typeface="新細明體"/>
+        <a:font script="Arab" typeface="Arial"/>
+        <a:font script="Hebr" typeface="Arial"/>
+        <a:font script="Thai" typeface="Cordia New"/>
+        <a:font script="Ethi" typeface="Nyala"/>
+        <a:font script="Beng" typeface="Vrinda"/>
+        <a:font script="Gujr" typeface="Shruti"/>
+        <a:font script="Khmr" typeface="DaunPenh"/>
+        <a:font script="Knda" typeface="Tunga"/>
+        <a:font script="Guru" typeface="Raavi"/>
+        <a:font script="Cans" typeface="Euphemia"/>
+        <a:font script="Cher" typeface="Plantagenet Cherokee"/>
+        <a:font script="Yiii" typeface="Microsoft Yi Baiti"/>
+        <a:font script="Tibt" typeface="Microsoft Himalaya"/>
+        <a:font script="Thaa" typeface="MV Boli"/>
+        <a:font script="Deva" typeface="Mangal"/>
+        <a:font script="Telu" typeface="Gautami"/>
+        <a:font script="Taml" typeface="Latha"/>
+        <a:font script="Syrc" typeface="Estrangelo Edessa"/>
+        <a:font script="Orya" typeface="Kalinga"/>
+        <a:font script="Mlym" typeface="Kartika"/>
+        <a:font script="Laoo" typeface="DokChampa"/>
+        <a:font script="Sinh" typeface="Iskoola Pota"/>
+        <a:font script="Mong" typeface="Mongolian Baiti"/>
+        <a:font script="Viet" typeface="Arial"/>
+        <a:font script="Uigh" typeface="Microsoft Uighur"/>
+        <a:font script="Geor" typeface="Sylfaen"/>
+        <a:font script="Armn" typeface="Arial"/>
+        <a:font script="Bugi" typeface="Leelawadee UI"/>
+        <a:font script="Bopo" typeface="Microsoft JhengHei"/>
+        <a:font script="Java" typeface="Javanese Text"/>
+        <a:font script="Lisu" typeface="Segoe UI"/>
+        <a:font script="Mymr" typeface="Myanmar Text"/>
+        <a:font script="Nkoo" typeface="Ebrima"/>
+        <a:font script="Olck" typeface="Nirmala UI"/>
+        <a:font script="Osma" typeface="Ebrima"/>
+        <a:font script="Phag" typeface="Phagspa"/>
+        <a:font script="Syrn" typeface="Estrangelo Edessa"/>
+        <a:font script="Syrj" typeface="Estrangelo Edessa"/>
+        <a:font script="Syre" typeface="Estrangelo Edessa"/>
+        <a:font script="Sora" typeface="Nirmala UI"/>
+        <a:font script="Tale" typeface="Microsoft Tai Le"/>
+        <a:font script="Talu" typeface="Microsoft New Tai Lue"/>
+        <a:font script="Tfng" typeface="Ebrima"/>
+      </a:minorFont>
+    </a:fontScheme>
+    <a:fmtScheme name="Стандартная">
+      <a:fillStyleLst>
+        <a:solidFill>
+          <a:schemeClr val="phClr"/>
+        </a:solidFill>
+        <a:gradFill rotWithShape="1">
+          <a:gsLst>
+            <a:gs pos="0">
+              <a:schemeClr val="phClr">
+                <a:lumMod val="110000"/>
+                <a:satMod val="105000"/>
+                <a:tint val="67000"/>
+              </a:schemeClr>
+            </a:gs>
+            <a:gs pos="50000">
+              <a:schemeClr val="phClr">
+                <a:lumMod val="105000"/>
+                <a:satMod val="103000"/>
+                <a:tint val="73000"/>
+              </a:schemeClr>
+            </a:gs>
+            <a:gs pos="100000">
+              <a:schemeClr val="phClr">
+                <a:lumMod val="105000"/>
+                <a:satMod val="109000"/>
+                <a:tint val="81000"/>
+              </a:schemeClr>
+            </a:gs>
+          </a:gsLst>
+          <a:lin ang="5400000" scaled="0"/>
+        </a:gradFill>
+        <a:gradFill rotWithShape="1">
+          <a:gsLst>
+            <a:gs pos="0">
+              <a:schemeClr val="phClr">
+                <a:satMod val="103000"/>
+                <a:lumMod val="102000"/>
+                <a:tint val="94000"/>
+              </a:schemeClr>
+            </a:gs>
+            <a:gs pos="50000">
+              <a:schemeClr val="phClr">
+                <a:satMod val="110000"/>
+                <a:lumMod val="100000"/>
+                <a:shade val="100000"/>
+              </a:schemeClr>
+            </a:gs>
+            <a:gs pos="100000">
+              <a:schemeClr val="phClr">
+                <a:lumMod val="99000"/>
+                <a:satMod val="120000"/>
+                <a:shade val="78000"/>
+              </a:schemeClr>
+            </a:gs>
+          </a:gsLst>
+          <a:lin ang="5400000" scaled="0"/>
+        </a:gradFill>
+      </a:fillStyleLst>
+      <a:lnStyleLst>
+        <a:ln w="6350" cap="flat" cmpd="sng" algn="ctr">
+          <a:solidFill>
+            <a:schemeClr val="phClr"/>
+          </a:solidFill>
+          <a:prstDash val="solid"/>
+          <a:miter lim="800000"/>
+        </a:ln>
+        <a:ln w="12700" cap="flat" cmpd="sng" algn="ctr">
+          <a:solidFill>
+            <a:schemeClr val="phClr"/>
+          </a:solidFill>
+          <a:prstDash val="solid"/>
+          <a:miter lim="800000"/>
+        </a:ln>
+        <a:ln w="19050" cap="flat" cmpd="sng" algn="ctr">
+          <a:solidFill>
+            <a:schemeClr val="phClr"/>
+          </a:solidFill>
+          <a:prstDash val="solid"/>
+          <a:miter lim="800000"/>
+        </a:ln>
+      </a:lnStyleLst>
+      <a:effectStyleLst>
+        <a:effectStyle>
+          <a:effectLst/>
+        </a:effectStyle>
+        <a:effectStyle>
+          <a:effectLst/>
+        </a:effectStyle>
+        <a:effectStyle>
+          <a:effectLst>
+            <a:outerShdw blurRad="57150" dist="19050" dir="5400000" algn="ctr" rotWithShape="0">
+              <a:srgbClr val="000000">
+                <a:alpha val="63000"/>
+              </a:srgbClr>
+            </a:outerShdw>
+          </a:effectLst>
+        </a:effectStyle>
+      </a:effectStyleLst>
+      <a:bgFillStyleLst>
+        <a:solidFill>
+          <a:schemeClr val="phClr"/>
+        </a:solidFill>
+        <a:solidFill>
+          <a:schemeClr val="phClr">
+            <a:tint val="95000"/>
+            <a:satMod val="170000"/>
+          </a:schemeClr>
+        </a:solidFill>
+        <a:gradFill rotWithShape="1">
+          <a:gsLst>
+            <a:gs pos="0">
+              <a:schemeClr val="phClr">
+                <a:tint val="93000"/>
+                <a:satMod val="150000"/>
+                <a:shade val="98000"/>
+                <a:lumMod val="102000"/>
+              </a:schemeClr>
+            </a:gs>
+            <a:gs pos="50000">
+              <a:schemeClr val="phClr">
+                <a:tint val="98000"/>
+                <a:satMod val="130000"/>
+                <a:shade val="90000"/>
+                <a:lumMod val="103000"/>
+              </a:schemeClr>
+            </a:gs>
+            <a:gs pos="100000">
+              <a:schemeClr val="phClr">
+                <a:shade val="63000"/>
+                <a:satMod val="120000"/>
+              </a:schemeClr>
+            </a:gs>
+          </a:gsLst>
+          <a:lin ang="5400000" scaled="0"/>
+        </a:gradFill>
+      </a:bgFillStyleLst>
+    </a:fmtScheme>
+  </a:themeElements>
+  <a:objectDefaults/>
+  <a:extraClrSchemeLst/>
+  <a:extLst>
+    <a:ext uri="{05A4C25C-085E-4340-85A3-A5531E510DB2}">
+      <thm15:themeFamily xmlns:thm15="http://schemas.microsoft.com/office/thememl/2012/main" name="Office Theme" id="{62F939B6-93AF-4DB8-9C6B-D6C7DFDC589F}" vid="{4A3C46E8-61CC-4603-A589-7422A47A8E4A}"/>
+    </a:ext>
+  </a:extLst>
+</a:theme>
 </file>